--- a/lectures/CSE8AW20-02-04-Lec9-Java-Loops-and-Arrays/CSE8AW20-02-04-Lec9-Java-Loops-and-Arrays-slides.pptx
+++ b/lectures/CSE8AW20-02-04-Lec9-Java-Loops-and-Arrays/CSE8AW20-02-04-Lec9-Java-Loops-and-Arrays-slides.pptx
@@ -205,7 +205,7 @@
           <a:p>
             <a:fld id="{FA117288-13F6-A645-A1EE-CC48E87078BF}" type="datetimeFigureOut">
               <a:rPr lang="en-US" smtClean="0"/>
-              <a:t>2/3/20</a:t>
+              <a:t>2/4/20</a:t>
             </a:fld>
             <a:endParaRPr lang="en-US"/>
           </a:p>
@@ -703,7 +703,7 @@
           <a:p>
             <a:fld id="{CBA7B51C-4A64-5C42-B93F-3A6373E2DB39}" type="datetimeFigureOut">
               <a:rPr lang="en-US" smtClean="0"/>
-              <a:t>2/3/20</a:t>
+              <a:t>2/4/20</a:t>
             </a:fld>
             <a:endParaRPr lang="en-US"/>
           </a:p>
@@ -901,7 +901,7 @@
           <a:p>
             <a:fld id="{CBA7B51C-4A64-5C42-B93F-3A6373E2DB39}" type="datetimeFigureOut">
               <a:rPr lang="en-US" smtClean="0"/>
-              <a:t>2/3/20</a:t>
+              <a:t>2/4/20</a:t>
             </a:fld>
             <a:endParaRPr lang="en-US"/>
           </a:p>
@@ -1109,7 +1109,7 @@
           <a:p>
             <a:fld id="{CBA7B51C-4A64-5C42-B93F-3A6373E2DB39}" type="datetimeFigureOut">
               <a:rPr lang="en-US" smtClean="0"/>
-              <a:t>2/3/20</a:t>
+              <a:t>2/4/20</a:t>
             </a:fld>
             <a:endParaRPr lang="en-US"/>
           </a:p>
@@ -1307,7 +1307,7 @@
           <a:p>
             <a:fld id="{CBA7B51C-4A64-5C42-B93F-3A6373E2DB39}" type="datetimeFigureOut">
               <a:rPr lang="en-US" smtClean="0"/>
-              <a:t>2/3/20</a:t>
+              <a:t>2/4/20</a:t>
             </a:fld>
             <a:endParaRPr lang="en-US"/>
           </a:p>
@@ -1582,7 +1582,7 @@
           <a:p>
             <a:fld id="{CBA7B51C-4A64-5C42-B93F-3A6373E2DB39}" type="datetimeFigureOut">
               <a:rPr lang="en-US" smtClean="0"/>
-              <a:t>2/3/20</a:t>
+              <a:t>2/4/20</a:t>
             </a:fld>
             <a:endParaRPr lang="en-US"/>
           </a:p>
@@ -1847,7 +1847,7 @@
           <a:p>
             <a:fld id="{CBA7B51C-4A64-5C42-B93F-3A6373E2DB39}" type="datetimeFigureOut">
               <a:rPr lang="en-US" smtClean="0"/>
-              <a:t>2/3/20</a:t>
+              <a:t>2/4/20</a:t>
             </a:fld>
             <a:endParaRPr lang="en-US"/>
           </a:p>
@@ -2259,7 +2259,7 @@
           <a:p>
             <a:fld id="{CBA7B51C-4A64-5C42-B93F-3A6373E2DB39}" type="datetimeFigureOut">
               <a:rPr lang="en-US" smtClean="0"/>
-              <a:t>2/3/20</a:t>
+              <a:t>2/4/20</a:t>
             </a:fld>
             <a:endParaRPr lang="en-US"/>
           </a:p>
@@ -2400,7 +2400,7 @@
           <a:p>
             <a:fld id="{CBA7B51C-4A64-5C42-B93F-3A6373E2DB39}" type="datetimeFigureOut">
               <a:rPr lang="en-US" smtClean="0"/>
-              <a:t>2/3/20</a:t>
+              <a:t>2/4/20</a:t>
             </a:fld>
             <a:endParaRPr lang="en-US"/>
           </a:p>
@@ -2513,7 +2513,7 @@
           <a:p>
             <a:fld id="{CBA7B51C-4A64-5C42-B93F-3A6373E2DB39}" type="datetimeFigureOut">
               <a:rPr lang="en-US" smtClean="0"/>
-              <a:t>2/3/20</a:t>
+              <a:t>2/4/20</a:t>
             </a:fld>
             <a:endParaRPr lang="en-US"/>
           </a:p>
@@ -2824,7 +2824,7 @@
           <a:p>
             <a:fld id="{CBA7B51C-4A64-5C42-B93F-3A6373E2DB39}" type="datetimeFigureOut">
               <a:rPr lang="en-US" smtClean="0"/>
-              <a:t>2/3/20</a:t>
+              <a:t>2/4/20</a:t>
             </a:fld>
             <a:endParaRPr lang="en-US"/>
           </a:p>
@@ -3112,7 +3112,7 @@
           <a:p>
             <a:fld id="{CBA7B51C-4A64-5C42-B93F-3A6373E2DB39}" type="datetimeFigureOut">
               <a:rPr lang="en-US" smtClean="0"/>
-              <a:t>2/3/20</a:t>
+              <a:t>2/4/20</a:t>
             </a:fld>
             <a:endParaRPr lang="en-US"/>
           </a:p>
@@ -3353,7 +3353,7 @@
           <a:p>
             <a:fld id="{CBA7B51C-4A64-5C42-B93F-3A6373E2DB39}" type="datetimeFigureOut">
               <a:rPr lang="en-US" smtClean="0"/>
-              <a:t>2/3/20</a:t>
+              <a:t>2/4/20</a:t>
             </a:fld>
             <a:endParaRPr lang="en-US"/>
           </a:p>
@@ -3827,7 +3827,7 @@
           <a:p>
             <a:r>
               <a:rPr lang="en-US" dirty="0"/>
-              <a:t>Lecture Jan 30, More Java</a:t>
+              <a:t>Lecture Feb 4, Java Loops &amp; Arrays</a:t>
             </a:r>
           </a:p>
         </p:txBody>
@@ -4226,6 +4226,9 @@
             </a:pPr>
             <a:r>
               <a:rPr lang="en-US" sz="1600" dirty="0">
+                <a:highlight>
+                  <a:srgbClr val="00FFFF"/>
+                </a:highlight>
                 <a:latin typeface="Consolas" panose="020B0609020204030204" pitchFamily="49" charset="0"/>
                 <a:cs typeface="Consolas" panose="020B0609020204030204" pitchFamily="49" charset="0"/>
               </a:rPr>
@@ -4233,6 +4236,9 @@
             </a:r>
             <a:r>
               <a:rPr lang="en-US" sz="1600" dirty="0" err="1">
+                <a:highlight>
+                  <a:srgbClr val="00FFFF"/>
+                </a:highlight>
                 <a:latin typeface="Consolas" panose="020B0609020204030204" pitchFamily="49" charset="0"/>
                 <a:cs typeface="Consolas" panose="020B0609020204030204" pitchFamily="49" charset="0"/>
               </a:rPr>
@@ -4240,6 +4246,9 @@
             </a:r>
             <a:r>
               <a:rPr lang="en-US" sz="1600" dirty="0">
+                <a:highlight>
+                  <a:srgbClr val="00FFFF"/>
+                </a:highlight>
                 <a:latin typeface="Consolas" panose="020B0609020204030204" pitchFamily="49" charset="0"/>
                 <a:cs typeface="Consolas" panose="020B0609020204030204" pitchFamily="49" charset="0"/>
               </a:rPr>
@@ -4247,6 +4256,9 @@
             </a:r>
             <a:r>
               <a:rPr lang="en-US" sz="1600" dirty="0" err="1">
+                <a:highlight>
+                  <a:srgbClr val="00FFFF"/>
+                </a:highlight>
                 <a:latin typeface="Consolas" panose="020B0609020204030204" pitchFamily="49" charset="0"/>
                 <a:cs typeface="Consolas" panose="020B0609020204030204" pitchFamily="49" charset="0"/>
               </a:rPr>
@@ -4254,6 +4266,9 @@
             </a:r>
             <a:r>
               <a:rPr lang="en-US" sz="1600" dirty="0">
+                <a:highlight>
+                  <a:srgbClr val="00FFFF"/>
+                </a:highlight>
                 <a:latin typeface="Consolas" panose="020B0609020204030204" pitchFamily="49" charset="0"/>
                 <a:cs typeface="Consolas" panose="020B0609020204030204" pitchFamily="49" charset="0"/>
               </a:rPr>
@@ -4292,6 +4307,9 @@
             </a:pPr>
             <a:r>
               <a:rPr lang="en-US" sz="1600" dirty="0">
+                <a:highlight>
+                  <a:srgbClr val="00FF00"/>
+                </a:highlight>
                 <a:latin typeface="Consolas" panose="020B0609020204030204" pitchFamily="49" charset="0"/>
                 <a:cs typeface="Consolas" panose="020B0609020204030204" pitchFamily="49" charset="0"/>
               </a:rPr>
@@ -4299,6 +4317,9 @@
             </a:r>
             <a:r>
               <a:rPr lang="en-US" sz="1600" dirty="0" err="1">
+                <a:highlight>
+                  <a:srgbClr val="00FF00"/>
+                </a:highlight>
                 <a:latin typeface="Consolas" panose="020B0609020204030204" pitchFamily="49" charset="0"/>
                 <a:cs typeface="Consolas" panose="020B0609020204030204" pitchFamily="49" charset="0"/>
               </a:rPr>
@@ -4306,6 +4327,9 @@
             </a:r>
             <a:r>
               <a:rPr lang="en-US" sz="1600" dirty="0">
+                <a:highlight>
+                  <a:srgbClr val="00FF00"/>
+                </a:highlight>
                 <a:latin typeface="Consolas" panose="020B0609020204030204" pitchFamily="49" charset="0"/>
                 <a:cs typeface="Consolas" panose="020B0609020204030204" pitchFamily="49" charset="0"/>
               </a:rPr>
@@ -4405,19 +4429,59 @@
           <a:p>
             <a:r>
               <a:rPr lang="en-US" dirty="0">
-                <a:latin typeface="Consolas" panose="020B0609020204030204" pitchFamily="49" charset="0"/>
-                <a:cs typeface="Consolas" panose="020B0609020204030204" pitchFamily="49" charset="0"/>
-              </a:rPr>
-              <a:t>1		1		1</a:t>
-            </a:r>
-          </a:p>
-          <a:p>
+                <a:highlight>
+                  <a:srgbClr val="00FFFF"/>
+                </a:highlight>
+                <a:latin typeface="Consolas" panose="020B0609020204030204" pitchFamily="49" charset="0"/>
+                <a:cs typeface="Consolas" panose="020B0609020204030204" pitchFamily="49" charset="0"/>
+              </a:rPr>
+              <a:t>1		1</a:t>
+            </a:r>
             <a:r>
               <a:rPr lang="en-US" dirty="0">
                 <a:latin typeface="Consolas" panose="020B0609020204030204" pitchFamily="49" charset="0"/>
                 <a:cs typeface="Consolas" panose="020B0609020204030204" pitchFamily="49" charset="0"/>
               </a:rPr>
-              <a:t>2		1		2</a:t>
+              <a:t>	</a:t>
+            </a:r>
+            <a:r>
+              <a:rPr lang="en-US" dirty="0">
+                <a:highlight>
+                  <a:srgbClr val="00FF00"/>
+                </a:highlight>
+                <a:latin typeface="Consolas" panose="020B0609020204030204" pitchFamily="49" charset="0"/>
+                <a:cs typeface="Consolas" panose="020B0609020204030204" pitchFamily="49" charset="0"/>
+              </a:rPr>
+              <a:t>	1</a:t>
+            </a:r>
+          </a:p>
+          <a:p>
+            <a:r>
+              <a:rPr lang="en-US" dirty="0">
+                <a:highlight>
+                  <a:srgbClr val="00FFFF"/>
+                </a:highlight>
+                <a:latin typeface="Consolas" panose="020B0609020204030204" pitchFamily="49" charset="0"/>
+                <a:cs typeface="Consolas" panose="020B0609020204030204" pitchFamily="49" charset="0"/>
+              </a:rPr>
+              <a:t>2		1</a:t>
+            </a:r>
+            <a:r>
+              <a:rPr lang="en-US" dirty="0">
+                <a:latin typeface="Consolas" panose="020B0609020204030204" pitchFamily="49" charset="0"/>
+                <a:cs typeface="Consolas" panose="020B0609020204030204" pitchFamily="49" charset="0"/>
+              </a:rPr>
+              <a:t>	</a:t>
+            </a:r>
+            <a:r>
+              <a:rPr lang="en-US" dirty="0">
+                <a:highlight>
+                  <a:srgbClr val="00FF00"/>
+                </a:highlight>
+                <a:latin typeface="Consolas" panose="020B0609020204030204" pitchFamily="49" charset="0"/>
+                <a:cs typeface="Consolas" panose="020B0609020204030204" pitchFamily="49" charset="0"/>
+              </a:rPr>
+              <a:t>	2</a:t>
             </a:r>
           </a:p>
         </p:txBody>
@@ -4506,6 +4570,9 @@
             </a:pPr>
             <a:r>
               <a:rPr lang="en-US" dirty="0">
+                <a:highlight>
+                  <a:srgbClr val="FFFF00"/>
+                </a:highlight>
                 <a:latin typeface="Calibri" panose="020F0502020204030204" pitchFamily="34" charset="0"/>
                 <a:cs typeface="Calibri" panose="020F0502020204030204" pitchFamily="34" charset="0"/>
               </a:rPr>
@@ -4945,7 +5012,7 @@
         <p:spPr>
           <a:xfrm>
             <a:off x="6999215" y="1674623"/>
-            <a:ext cx="6096000" cy="1200329"/>
+            <a:ext cx="6096000" cy="1477328"/>
           </a:xfrm>
           <a:prstGeom prst="rect">
             <a:avLst/>
@@ -4997,6 +5064,15 @@
                 <a:cs typeface="Consolas" panose="020B0609020204030204" pitchFamily="49" charset="0"/>
               </a:rPr>
               <a:t>2		1		2</a:t>
+            </a:r>
+          </a:p>
+          <a:p>
+            <a:r>
+              <a:rPr lang="en-US" dirty="0">
+                <a:latin typeface="Consolas" panose="020B0609020204030204" pitchFamily="49" charset="0"/>
+                <a:cs typeface="Consolas" panose="020B0609020204030204" pitchFamily="49" charset="0"/>
+              </a:rPr>
+              <a:t>3		2		6</a:t>
             </a:r>
           </a:p>
         </p:txBody>
@@ -5074,6 +5150,9 @@
             </a:pPr>
             <a:r>
               <a:rPr lang="en-US" dirty="0">
+                <a:highlight>
+                  <a:srgbClr val="00FF00"/>
+                </a:highlight>
                 <a:latin typeface="Calibri" panose="020F0502020204030204" pitchFamily="34" charset="0"/>
                 <a:cs typeface="Calibri" panose="020F0502020204030204" pitchFamily="34" charset="0"/>
               </a:rPr>
@@ -5577,6 +5656,9 @@
           <a:p>
             <a:r>
               <a:rPr lang="en-US" dirty="0">
+                <a:highlight>
+                  <a:srgbClr val="00FF00"/>
+                </a:highlight>
                 <a:latin typeface="Consolas" panose="020B0609020204030204" pitchFamily="49" charset="0"/>
                 <a:cs typeface="Consolas" panose="020B0609020204030204" pitchFamily="49" charset="0"/>
               </a:rPr>
@@ -5586,6 +5668,9 @@
           <a:p>
             <a:r>
               <a:rPr lang="en-US" dirty="0">
+                <a:highlight>
+                  <a:srgbClr val="00FF00"/>
+                </a:highlight>
                 <a:latin typeface="Consolas" panose="020B0609020204030204" pitchFamily="49" charset="0"/>
                 <a:cs typeface="Consolas" panose="020B0609020204030204" pitchFamily="49" charset="0"/>
               </a:rPr>
@@ -5667,6 +5752,9 @@
             </a:pPr>
             <a:r>
               <a:rPr lang="en-US" dirty="0">
+                <a:highlight>
+                  <a:srgbClr val="00FF00"/>
+                </a:highlight>
                 <a:latin typeface="Calibri" panose="020F0502020204030204" pitchFamily="34" charset="0"/>
                 <a:cs typeface="Calibri" panose="020F0502020204030204" pitchFamily="34" charset="0"/>
               </a:rPr>
@@ -6245,6 +6333,9 @@
             </a:pPr>
             <a:r>
               <a:rPr lang="en-US" dirty="0">
+                <a:highlight>
+                  <a:srgbClr val="00FF00"/>
+                </a:highlight>
                 <a:latin typeface="Calibri" panose="020F0502020204030204" pitchFamily="34" charset="0"/>
                 <a:cs typeface="Calibri" panose="020F0502020204030204" pitchFamily="34" charset="0"/>
               </a:rPr>
@@ -6709,7 +6800,7 @@
         <p:spPr>
           <a:xfrm>
             <a:off x="6999215" y="1674623"/>
-            <a:ext cx="6096000" cy="1200329"/>
+            <a:ext cx="6096000" cy="1477328"/>
           </a:xfrm>
           <a:prstGeom prst="rect">
             <a:avLst/>
@@ -6761,6 +6852,15 @@
                 <a:cs typeface="Consolas" panose="020B0609020204030204" pitchFamily="49" charset="0"/>
               </a:rPr>
               <a:t>4		5		20</a:t>
+            </a:r>
+          </a:p>
+          <a:p>
+            <a:r>
+              <a:rPr lang="en-US" dirty="0">
+                <a:latin typeface="Consolas" panose="020B0609020204030204" pitchFamily="49" charset="0"/>
+                <a:cs typeface="Consolas" panose="020B0609020204030204" pitchFamily="49" charset="0"/>
+              </a:rPr>
+              <a:t>3		20		60</a:t>
             </a:r>
           </a:p>
         </p:txBody>
@@ -6838,6 +6938,9 @@
             </a:pPr>
             <a:r>
               <a:rPr lang="en-US" dirty="0">
+                <a:highlight>
+                  <a:srgbClr val="00FF00"/>
+                </a:highlight>
                 <a:latin typeface="Calibri" panose="020F0502020204030204" pitchFamily="34" charset="0"/>
                 <a:cs typeface="Calibri" panose="020F0502020204030204" pitchFamily="34" charset="0"/>
               </a:rPr>
@@ -7088,10 +7191,13 @@
             <a:r>
               <a:rPr lang="en-US" sz="1600" b="1" dirty="0" err="1">
                 <a:solidFill>
-                  <a:schemeClr val="accent2">
+                  <a:schemeClr val="accent5">
                     <a:lumMod val="75000"/>
                   </a:schemeClr>
                 </a:solidFill>
+                <a:highlight>
+                  <a:srgbClr val="FFFF00"/>
+                </a:highlight>
                 <a:latin typeface="Consolas" panose="020B0609020204030204" pitchFamily="49" charset="0"/>
                 <a:cs typeface="Consolas" panose="020B0609020204030204" pitchFamily="49" charset="0"/>
               </a:rPr>
@@ -7100,10 +7206,13 @@
             <a:r>
               <a:rPr lang="en-US" sz="1600" b="1" dirty="0">
                 <a:solidFill>
-                  <a:schemeClr val="accent2">
+                  <a:schemeClr val="accent5">
                     <a:lumMod val="75000"/>
                   </a:schemeClr>
                 </a:solidFill>
+                <a:highlight>
+                  <a:srgbClr val="FFFF00"/>
+                </a:highlight>
                 <a:latin typeface="Consolas" panose="020B0609020204030204" pitchFamily="49" charset="0"/>
                 <a:cs typeface="Consolas" panose="020B0609020204030204" pitchFamily="49" charset="0"/>
               </a:rPr>
@@ -7374,7 +7483,7 @@
           <a:p>
             <a:r>
               <a:rPr lang="en-US" dirty="0"/>
-              <a:t>Java for Loops – factorial3</a:t>
+              <a:t>Java for Loops – factorial4</a:t>
             </a:r>
           </a:p>
         </p:txBody>
@@ -7444,8 +7553,13 @@
             <a:r>
               <a:rPr lang="en-US" sz="1600" b="1" dirty="0">
                 <a:solidFill>
-                  <a:schemeClr val="accent2"/>
+                  <a:schemeClr val="accent5">
+                    <a:lumMod val="75000"/>
+                  </a:schemeClr>
                 </a:solidFill>
+                <a:highlight>
+                  <a:srgbClr val="FFFF00"/>
+                </a:highlight>
                 <a:latin typeface="Consolas" panose="020B0609020204030204" pitchFamily="49" charset="0"/>
                 <a:cs typeface="Consolas" panose="020B0609020204030204" pitchFamily="49" charset="0"/>
               </a:rPr>
@@ -7454,8 +7568,13 @@
             <a:r>
               <a:rPr lang="en-US" sz="1600" b="1" dirty="0" err="1">
                 <a:solidFill>
-                  <a:schemeClr val="accent2"/>
+                  <a:schemeClr val="accent5">
+                    <a:lumMod val="75000"/>
+                  </a:schemeClr>
                 </a:solidFill>
+                <a:highlight>
+                  <a:srgbClr val="FFFF00"/>
+                </a:highlight>
                 <a:latin typeface="Consolas" panose="020B0609020204030204" pitchFamily="49" charset="0"/>
                 <a:cs typeface="Consolas" panose="020B0609020204030204" pitchFamily="49" charset="0"/>
               </a:rPr>
@@ -7464,8 +7583,13 @@
             <a:r>
               <a:rPr lang="en-US" sz="1600" b="1" dirty="0">
                 <a:solidFill>
-                  <a:schemeClr val="accent2"/>
+                  <a:schemeClr val="accent5">
+                    <a:lumMod val="75000"/>
+                  </a:schemeClr>
                 </a:solidFill>
+                <a:highlight>
+                  <a:srgbClr val="FFFF00"/>
+                </a:highlight>
                 <a:latin typeface="Consolas" panose="020B0609020204030204" pitchFamily="49" charset="0"/>
                 <a:cs typeface="Consolas" panose="020B0609020204030204" pitchFamily="49" charset="0"/>
               </a:rPr>
@@ -7495,8 +7619,13 @@
             <a:r>
               <a:rPr lang="en-US" sz="1600" b="1" dirty="0" err="1">
                 <a:solidFill>
-                  <a:schemeClr val="accent2"/>
+                  <a:schemeClr val="accent5">
+                    <a:lumMod val="75000"/>
+                  </a:schemeClr>
                 </a:solidFill>
+                <a:highlight>
+                  <a:srgbClr val="FFFF00"/>
+                </a:highlight>
                 <a:latin typeface="Consolas" panose="020B0609020204030204" pitchFamily="49" charset="0"/>
                 <a:cs typeface="Consolas" panose="020B0609020204030204" pitchFamily="49" charset="0"/>
               </a:rPr>
@@ -7505,8 +7634,13 @@
             <a:r>
               <a:rPr lang="en-US" sz="1600" b="1" dirty="0">
                 <a:solidFill>
-                  <a:schemeClr val="accent2"/>
+                  <a:schemeClr val="accent5">
+                    <a:lumMod val="75000"/>
+                  </a:schemeClr>
                 </a:solidFill>
+                <a:highlight>
+                  <a:srgbClr val="FFFF00"/>
+                </a:highlight>
                 <a:latin typeface="Consolas" panose="020B0609020204030204" pitchFamily="49" charset="0"/>
                 <a:cs typeface="Consolas" panose="020B0609020204030204" pitchFamily="49" charset="0"/>
               </a:rPr>
@@ -7673,6 +7807,9 @@
             </a:pPr>
             <a:r>
               <a:rPr lang="en-US" dirty="0">
+                <a:highlight>
+                  <a:srgbClr val="00FF00"/>
+                </a:highlight>
                 <a:latin typeface="Calibri" panose="020F0502020204030204" pitchFamily="34" charset="0"/>
                 <a:cs typeface="Calibri" panose="020F0502020204030204" pitchFamily="34" charset="0"/>
               </a:rPr>
